--- a/public/playground_assets/affiche-bbb-enseignants.pptx
+++ b/public/playground_assets/affiche-bbb-enseignants.pptx
@@ -3117,31 +3117,52 @@
           <a:chExt cx="0" cy="0"/>
         </a:xfrm>
       </p:grpSpPr>
-      <p:pic>
-        <p:nvPicPr>
-          <p:cNvPr name="Picture 2" id="2"/>
-          <p:cNvPicPr>
-            <a:picLocks noChangeAspect="true"/>
-          </p:cNvPicPr>
+      <p:sp>
+        <p:nvSpPr>
+          <p:cNvPr name="Freeform 2" id="2"/>
+          <p:cNvSpPr/>
           <p:nvPr/>
-        </p:nvPicPr>
-        <p:blipFill>
-          <a:blip r:embed="rId2"/>
-          <a:srcRect l="0" t="4149" r="0" b="1573"/>
-          <a:stretch>
-            <a:fillRect/>
-          </a:stretch>
-        </p:blipFill>
-        <p:spPr>
-          <a:xfrm flipH="false" flipV="false">
-            <a:off x="0" y="0"/>
-            <a:ext cx="32918400" cy="43891200"/>
-          </a:xfrm>
-          <a:prstGeom prst="rect">
+        </p:nvSpPr>
+        <p:spPr>
+          <a:xfrm flipH="false" flipV="false" rot="0">
+            <a:off x="0" y="-1199236"/>
+            <a:ext cx="31882696" cy="45090436"/>
+          </a:xfrm>
+          <a:custGeom>
             <a:avLst/>
-          </a:prstGeom>
-        </p:spPr>
-      </p:pic>
+            <a:gdLst/>
+            <a:ahLst/>
+            <a:cxnLst/>
+            <a:rect r="r" b="b" t="t" l="l"/>
+            <a:pathLst>
+              <a:path h="45090436" w="31882696">
+                <a:moveTo>
+                  <a:pt x="0" y="0"/>
+                </a:moveTo>
+                <a:lnTo>
+                  <a:pt x="31882696" y="0"/>
+                </a:lnTo>
+                <a:lnTo>
+                  <a:pt x="31882696" y="45090436"/>
+                </a:lnTo>
+                <a:lnTo>
+                  <a:pt x="0" y="45090436"/>
+                </a:lnTo>
+                <a:lnTo>
+                  <a:pt x="0" y="0"/>
+                </a:lnTo>
+                <a:close/>
+              </a:path>
+            </a:pathLst>
+          </a:custGeom>
+          <a:blipFill>
+            <a:blip r:embed="rId2"/>
+            <a:stretch>
+              <a:fillRect l="0" t="0" r="0" b="0"/>
+            </a:stretch>
+          </a:blipFill>
+        </p:spPr>
+      </p:sp>
       <p:sp>
         <p:nvSpPr>
           <p:cNvPr name="Freeform 3" id="3"/>
@@ -3254,7 +3275,7 @@
         </p:nvSpPr>
         <p:spPr>
           <a:xfrm flipH="false" flipV="false" rot="0">
-            <a:off x="13305694" y="29712568"/>
+            <a:off x="13302639" y="21402591"/>
             <a:ext cx="4546566" cy="4546566"/>
           </a:xfrm>
           <a:custGeom>
@@ -3272,10 +3293,10 @@
                   <a:pt x="4546566" y="0"/>
                 </a:lnTo>
                 <a:lnTo>
-                  <a:pt x="4546566" y="4546566"/>
-                </a:lnTo>
-                <a:lnTo>
-                  <a:pt x="0" y="4546566"/>
+                  <a:pt x="4546566" y="4546565"/>
+                </a:lnTo>
+                <a:lnTo>
+                  <a:pt x="0" y="4546565"/>
                 </a:lnTo>
                 <a:lnTo>
                   <a:pt x="0" y="0"/>
@@ -3496,7 +3517,7 @@
         </p:nvSpPr>
         <p:spPr>
           <a:xfrm flipH="false" flipV="false" rot="0">
-            <a:off x="16898014" y="25457901"/>
+            <a:off x="17019513" y="25572201"/>
             <a:ext cx="4546566" cy="4546566"/>
           </a:xfrm>
           <a:custGeom>
@@ -3511,10 +3532,10 @@
                   <a:pt x="0" y="0"/>
                 </a:moveTo>
                 <a:lnTo>
-                  <a:pt x="4546566" y="0"/>
-                </a:lnTo>
-                <a:lnTo>
-                  <a:pt x="4546566" y="4546566"/>
+                  <a:pt x="4546565" y="0"/>
+                </a:lnTo>
+                <a:lnTo>
+                  <a:pt x="4546565" y="4546566"/>
                 </a:lnTo>
                 <a:lnTo>
                   <a:pt x="0" y="4546566"/>
@@ -4147,7 +4168,7 @@
         </p:nvSpPr>
         <p:spPr>
           <a:xfrm rot="0">
-            <a:off x="9524022" y="23789176"/>
+            <a:off x="9524022" y="32124588"/>
             <a:ext cx="19865679" cy="2033905"/>
           </a:xfrm>
           <a:prstGeom prst="rect">
@@ -4417,7 +4438,7 @@
         </p:nvSpPr>
         <p:spPr>
           <a:xfrm rot="0">
-            <a:off x="9524022" y="31610238"/>
+            <a:off x="9524022" y="23286457"/>
             <a:ext cx="19865679" cy="3062605"/>
           </a:xfrm>
           <a:prstGeom prst="rect">
@@ -4534,9 +4555,9 @@
                   <a:srgbClr val="2A347B"/>
                 </a:solidFill>
                 <a:latin typeface="Open Sans Bold"/>
-                <a:hlinkClick r:id="rId18" tooltip="https://marsha.education/login"/>
+                <a:hlinkClick r:id="rId18" tooltip="https://classe-virtuelle.numerique-esr.fr"/>
               </a:rPr>
-              <a:t>https://marsha.education</a:t>
+              <a:t>https://classe-virtuelle.numerique-esr.fr/</a:t>
             </a:r>
           </a:p>
           <a:p>
